--- a/Slides/03_OOP_TrainingPlan.pptx
+++ b/Slides/03_OOP_TrainingPlan.pptx
@@ -232,7 +232,7 @@
           <a:p>
             <a:fld id="{4634CC69-5985-4F2B-94BC-C394CAD8886F}" type="datetimeFigureOut">
               <a:rPr lang="en-US" smtClean="0"/>
-              <a:t>1/28/2018</a:t>
+              <a:t>2/4/2018</a:t>
             </a:fld>
             <a:endParaRPr lang="en-US"/>
           </a:p>
@@ -5126,7 +5126,7 @@
           <a:p>
             <a:fld id="{96FB5D56-0812-4ED5-8B52-3D0DCBF578CB}" type="datetimeFigureOut">
               <a:rPr lang="en-US" smtClean="0"/>
-              <a:t>1/28/2018</a:t>
+              <a:t>2/4/2018</a:t>
             </a:fld>
             <a:endParaRPr lang="en-US"/>
           </a:p>
@@ -5401,7 +5401,7 @@
           <a:p>
             <a:fld id="{96FB5D56-0812-4ED5-8B52-3D0DCBF578CB}" type="datetimeFigureOut">
               <a:rPr lang="en-US" smtClean="0"/>
-              <a:t>1/28/2018</a:t>
+              <a:t>2/4/2018</a:t>
             </a:fld>
             <a:endParaRPr lang="en-US"/>
           </a:p>
@@ -5595,7 +5595,7 @@
           <a:p>
             <a:fld id="{96FB5D56-0812-4ED5-8B52-3D0DCBF578CB}" type="datetimeFigureOut">
               <a:rPr lang="en-US" smtClean="0"/>
-              <a:t>1/28/2018</a:t>
+              <a:t>2/4/2018</a:t>
             </a:fld>
             <a:endParaRPr lang="en-US"/>
           </a:p>
@@ -5868,7 +5868,7 @@
           <a:p>
             <a:fld id="{96FB5D56-0812-4ED5-8B52-3D0DCBF578CB}" type="datetimeFigureOut">
               <a:rPr lang="en-US" smtClean="0"/>
-              <a:t>1/28/2018</a:t>
+              <a:t>2/4/2018</a:t>
             </a:fld>
             <a:endParaRPr lang="en-US"/>
           </a:p>
@@ -6209,7 +6209,7 @@
           <a:p>
             <a:fld id="{96FB5D56-0812-4ED5-8B52-3D0DCBF578CB}" type="datetimeFigureOut">
               <a:rPr lang="en-US" smtClean="0"/>
-              <a:t>1/28/2018</a:t>
+              <a:t>2/4/2018</a:t>
             </a:fld>
             <a:endParaRPr lang="en-US"/>
           </a:p>
@@ -6832,7 +6832,7 @@
           <a:p>
             <a:fld id="{96FB5D56-0812-4ED5-8B52-3D0DCBF578CB}" type="datetimeFigureOut">
               <a:rPr lang="en-US" smtClean="0"/>
-              <a:t>1/28/2018</a:t>
+              <a:t>2/4/2018</a:t>
             </a:fld>
             <a:endParaRPr lang="en-US"/>
           </a:p>
@@ -7692,7 +7692,7 @@
           <a:p>
             <a:fld id="{96FB5D56-0812-4ED5-8B52-3D0DCBF578CB}" type="datetimeFigureOut">
               <a:rPr lang="en-US" smtClean="0"/>
-              <a:t>1/28/2018</a:t>
+              <a:t>2/4/2018</a:t>
             </a:fld>
             <a:endParaRPr lang="en-US"/>
           </a:p>
@@ -7862,7 +7862,7 @@
           <a:p>
             <a:fld id="{96FB5D56-0812-4ED5-8B52-3D0DCBF578CB}" type="datetimeFigureOut">
               <a:rPr lang="en-US" smtClean="0"/>
-              <a:t>1/28/2018</a:t>
+              <a:t>2/4/2018</a:t>
             </a:fld>
             <a:endParaRPr lang="en-US"/>
           </a:p>
@@ -8042,7 +8042,7 @@
           <a:p>
             <a:fld id="{96FB5D56-0812-4ED5-8B52-3D0DCBF578CB}" type="datetimeFigureOut">
               <a:rPr lang="en-US" smtClean="0"/>
-              <a:t>1/28/2018</a:t>
+              <a:t>2/4/2018</a:t>
             </a:fld>
             <a:endParaRPr lang="en-US"/>
           </a:p>
@@ -8212,7 +8212,7 @@
           <a:p>
             <a:fld id="{96FB5D56-0812-4ED5-8B52-3D0DCBF578CB}" type="datetimeFigureOut">
               <a:rPr lang="en-US" smtClean="0"/>
-              <a:t>1/28/2018</a:t>
+              <a:t>2/4/2018</a:t>
             </a:fld>
             <a:endParaRPr lang="en-US"/>
           </a:p>
@@ -8459,7 +8459,7 @@
           <a:p>
             <a:fld id="{96FB5D56-0812-4ED5-8B52-3D0DCBF578CB}" type="datetimeFigureOut">
               <a:rPr lang="en-US" smtClean="0"/>
-              <a:t>1/28/2018</a:t>
+              <a:t>2/4/2018</a:t>
             </a:fld>
             <a:endParaRPr lang="en-US"/>
           </a:p>
@@ -8751,7 +8751,7 @@
           <a:p>
             <a:fld id="{96FB5D56-0812-4ED5-8B52-3D0DCBF578CB}" type="datetimeFigureOut">
               <a:rPr lang="en-US" smtClean="0"/>
-              <a:t>1/28/2018</a:t>
+              <a:t>2/4/2018</a:t>
             </a:fld>
             <a:endParaRPr lang="en-US"/>
           </a:p>
@@ -9195,7 +9195,7 @@
           <a:p>
             <a:fld id="{96FB5D56-0812-4ED5-8B52-3D0DCBF578CB}" type="datetimeFigureOut">
               <a:rPr lang="en-US" smtClean="0"/>
-              <a:t>1/28/2018</a:t>
+              <a:t>2/4/2018</a:t>
             </a:fld>
             <a:endParaRPr lang="en-US"/>
           </a:p>
@@ -9313,7 +9313,7 @@
           <a:p>
             <a:fld id="{96FB5D56-0812-4ED5-8B52-3D0DCBF578CB}" type="datetimeFigureOut">
               <a:rPr lang="en-US" smtClean="0"/>
-              <a:t>1/28/2018</a:t>
+              <a:t>2/4/2018</a:t>
             </a:fld>
             <a:endParaRPr lang="en-US"/>
           </a:p>
@@ -9408,7 +9408,7 @@
           <a:p>
             <a:fld id="{96FB5D56-0812-4ED5-8B52-3D0DCBF578CB}" type="datetimeFigureOut">
               <a:rPr lang="en-US" smtClean="0"/>
-              <a:t>1/28/2018</a:t>
+              <a:t>2/4/2018</a:t>
             </a:fld>
             <a:endParaRPr lang="en-US"/>
           </a:p>
@@ -9687,7 +9687,7 @@
           <a:p>
             <a:fld id="{96FB5D56-0812-4ED5-8B52-3D0DCBF578CB}" type="datetimeFigureOut">
               <a:rPr lang="en-US" smtClean="0"/>
-              <a:t>1/28/2018</a:t>
+              <a:t>2/4/2018</a:t>
             </a:fld>
             <a:endParaRPr lang="en-US"/>
           </a:p>
@@ -9962,7 +9962,7 @@
           <a:p>
             <a:fld id="{96FB5D56-0812-4ED5-8B52-3D0DCBF578CB}" type="datetimeFigureOut">
               <a:rPr lang="en-US" smtClean="0"/>
-              <a:t>1/28/2018</a:t>
+              <a:t>2/4/2018</a:t>
             </a:fld>
             <a:endParaRPr lang="en-US"/>
           </a:p>
@@ -10391,7 +10391,7 @@
           <a:p>
             <a:fld id="{96FB5D56-0812-4ED5-8B52-3D0DCBF578CB}" type="datetimeFigureOut">
               <a:rPr lang="en-US" smtClean="0"/>
-              <a:t>1/28/2018</a:t>
+              <a:t>2/4/2018</a:t>
             </a:fld>
             <a:endParaRPr lang="en-US"/>
           </a:p>
@@ -11320,7 +11320,6 @@
               <a:rPr lang="en-US" sz="4000" dirty="0" smtClean="0"/>
               <a:t>.</a:t>
             </a:r>
-            <a:endParaRPr lang="en-US" sz="4000" dirty="0" smtClean="0"/>
           </a:p>
           <a:p>
             <a:r>
@@ -11333,7 +11332,6 @@
               <a:rPr lang="en-US" sz="4000" dirty="0" smtClean="0"/>
               <a:t>From the Main method, instantiate the Person class.</a:t>
             </a:r>
-            <a:endParaRPr lang="en-US" sz="4000" dirty="0" smtClean="0"/>
           </a:p>
         </p:txBody>
       </p:sp>
@@ -12298,7 +12296,6 @@
               <a:rPr lang="en-US" sz="4000" dirty="0" smtClean="0"/>
               <a:t>Add to the simulator project.</a:t>
             </a:r>
-            <a:endParaRPr lang="en-US" sz="4000" dirty="0" smtClean="0"/>
           </a:p>
           <a:p>
             <a:r>
@@ -12319,7 +12316,6 @@
               <a:rPr lang="en-US" sz="4000" dirty="0" smtClean="0"/>
               <a:t>Practice calling and setting this property from the Main method.</a:t>
             </a:r>
-            <a:endParaRPr lang="en-US" sz="4000" dirty="0" smtClean="0"/>
           </a:p>
           <a:p>
             <a:r>
@@ -12332,7 +12328,6 @@
               <a:rPr lang="en-US" sz="4000" dirty="0" smtClean="0"/>
               <a:t>Try instantiating multiple objects of the class.</a:t>
             </a:r>
-            <a:endParaRPr lang="en-US" sz="4000" dirty="0" smtClean="0"/>
           </a:p>
         </p:txBody>
       </p:sp>
@@ -13832,11 +13827,7 @@
           <a:p>
             <a:r>
               <a:rPr lang="en-US" sz="2800" dirty="0" smtClean="0"/>
-              <a:t>Create an override method of Walk in the Zombie class to change the calculation to be slower</a:t>
-            </a:r>
-            <a:r>
-              <a:rPr lang="en-US" sz="2800" dirty="0" smtClean="0"/>
-              <a:t>.</a:t>
+              <a:t>Create an override method of Walk in the Zombie class to change the calculation to be slower.</a:t>
             </a:r>
           </a:p>
           <a:p>
@@ -14684,11 +14675,7 @@
           <a:p>
             <a:r>
               <a:rPr lang="en-US" dirty="0" smtClean="0"/>
-              <a:t>QUICK </a:t>
-            </a:r>
-            <a:r>
-              <a:rPr lang="en-US" dirty="0" smtClean="0"/>
-              <a:t>REVIEW</a:t>
+              <a:t>QUICK REVIEW</a:t>
             </a:r>
             <a:endParaRPr lang="en-US" dirty="0"/>
           </a:p>
@@ -14997,7 +14984,6 @@
               <a:rPr lang="en-US" sz="2800" dirty="0" smtClean="0"/>
               <a:t>Try to think of classes that could implement an interface and create the interface and classes that implement it.</a:t>
             </a:r>
-            <a:endParaRPr lang="en-US" sz="2800" dirty="0" smtClean="0"/>
           </a:p>
         </p:txBody>
       </p:sp>

--- a/Slides/03_OOP_TrainingPlan.pptx
+++ b/Slides/03_OOP_TrainingPlan.pptx
@@ -232,7 +232,7 @@
           <a:p>
             <a:fld id="{4634CC69-5985-4F2B-94BC-C394CAD8886F}" type="datetimeFigureOut">
               <a:rPr lang="en-US" smtClean="0"/>
-              <a:t>2/4/2018</a:t>
+              <a:t>2/11/2018</a:t>
             </a:fld>
             <a:endParaRPr lang="en-US"/>
           </a:p>
@@ -2390,12 +2390,12 @@
               <a:t>Then we differentiate these because we will only use the diameter property for the circle, but we will add </a:t>
             </a:r>
             <a:r>
-              <a:rPr lang="en-US" baseline="0" dirty="0" err="1" smtClean="0"/>
-              <a:t>heigh</a:t>
-            </a:r>
-            <a:r>
               <a:rPr lang="en-US" baseline="0" dirty="0" smtClean="0"/>
-              <a:t> and width to the rectangle class.</a:t>
+              <a:t>height </a:t>
+            </a:r>
+            <a:r>
+              <a:rPr lang="en-US" baseline="0" dirty="0" smtClean="0"/>
+              <a:t>and width to the rectangle class.</a:t>
             </a:r>
           </a:p>
         </p:txBody>
@@ -5126,7 +5126,7 @@
           <a:p>
             <a:fld id="{96FB5D56-0812-4ED5-8B52-3D0DCBF578CB}" type="datetimeFigureOut">
               <a:rPr lang="en-US" smtClean="0"/>
-              <a:t>2/4/2018</a:t>
+              <a:t>2/11/2018</a:t>
             </a:fld>
             <a:endParaRPr lang="en-US"/>
           </a:p>
@@ -5401,7 +5401,7 @@
           <a:p>
             <a:fld id="{96FB5D56-0812-4ED5-8B52-3D0DCBF578CB}" type="datetimeFigureOut">
               <a:rPr lang="en-US" smtClean="0"/>
-              <a:t>2/4/2018</a:t>
+              <a:t>2/11/2018</a:t>
             </a:fld>
             <a:endParaRPr lang="en-US"/>
           </a:p>
@@ -5595,7 +5595,7 @@
           <a:p>
             <a:fld id="{96FB5D56-0812-4ED5-8B52-3D0DCBF578CB}" type="datetimeFigureOut">
               <a:rPr lang="en-US" smtClean="0"/>
-              <a:t>2/4/2018</a:t>
+              <a:t>2/11/2018</a:t>
             </a:fld>
             <a:endParaRPr lang="en-US"/>
           </a:p>
@@ -5868,7 +5868,7 @@
           <a:p>
             <a:fld id="{96FB5D56-0812-4ED5-8B52-3D0DCBF578CB}" type="datetimeFigureOut">
               <a:rPr lang="en-US" smtClean="0"/>
-              <a:t>2/4/2018</a:t>
+              <a:t>2/11/2018</a:t>
             </a:fld>
             <a:endParaRPr lang="en-US"/>
           </a:p>
@@ -6209,7 +6209,7 @@
           <a:p>
             <a:fld id="{96FB5D56-0812-4ED5-8B52-3D0DCBF578CB}" type="datetimeFigureOut">
               <a:rPr lang="en-US" smtClean="0"/>
-              <a:t>2/4/2018</a:t>
+              <a:t>2/11/2018</a:t>
             </a:fld>
             <a:endParaRPr lang="en-US"/>
           </a:p>
@@ -6832,7 +6832,7 @@
           <a:p>
             <a:fld id="{96FB5D56-0812-4ED5-8B52-3D0DCBF578CB}" type="datetimeFigureOut">
               <a:rPr lang="en-US" smtClean="0"/>
-              <a:t>2/4/2018</a:t>
+              <a:t>2/11/2018</a:t>
             </a:fld>
             <a:endParaRPr lang="en-US"/>
           </a:p>
@@ -7692,7 +7692,7 @@
           <a:p>
             <a:fld id="{96FB5D56-0812-4ED5-8B52-3D0DCBF578CB}" type="datetimeFigureOut">
               <a:rPr lang="en-US" smtClean="0"/>
-              <a:t>2/4/2018</a:t>
+              <a:t>2/11/2018</a:t>
             </a:fld>
             <a:endParaRPr lang="en-US"/>
           </a:p>
@@ -7862,7 +7862,7 @@
           <a:p>
             <a:fld id="{96FB5D56-0812-4ED5-8B52-3D0DCBF578CB}" type="datetimeFigureOut">
               <a:rPr lang="en-US" smtClean="0"/>
-              <a:t>2/4/2018</a:t>
+              <a:t>2/11/2018</a:t>
             </a:fld>
             <a:endParaRPr lang="en-US"/>
           </a:p>
@@ -8042,7 +8042,7 @@
           <a:p>
             <a:fld id="{96FB5D56-0812-4ED5-8B52-3D0DCBF578CB}" type="datetimeFigureOut">
               <a:rPr lang="en-US" smtClean="0"/>
-              <a:t>2/4/2018</a:t>
+              <a:t>2/11/2018</a:t>
             </a:fld>
             <a:endParaRPr lang="en-US"/>
           </a:p>
@@ -8212,7 +8212,7 @@
           <a:p>
             <a:fld id="{96FB5D56-0812-4ED5-8B52-3D0DCBF578CB}" type="datetimeFigureOut">
               <a:rPr lang="en-US" smtClean="0"/>
-              <a:t>2/4/2018</a:t>
+              <a:t>2/11/2018</a:t>
             </a:fld>
             <a:endParaRPr lang="en-US"/>
           </a:p>
@@ -8459,7 +8459,7 @@
           <a:p>
             <a:fld id="{96FB5D56-0812-4ED5-8B52-3D0DCBF578CB}" type="datetimeFigureOut">
               <a:rPr lang="en-US" smtClean="0"/>
-              <a:t>2/4/2018</a:t>
+              <a:t>2/11/2018</a:t>
             </a:fld>
             <a:endParaRPr lang="en-US"/>
           </a:p>
@@ -8751,7 +8751,7 @@
           <a:p>
             <a:fld id="{96FB5D56-0812-4ED5-8B52-3D0DCBF578CB}" type="datetimeFigureOut">
               <a:rPr lang="en-US" smtClean="0"/>
-              <a:t>2/4/2018</a:t>
+              <a:t>2/11/2018</a:t>
             </a:fld>
             <a:endParaRPr lang="en-US"/>
           </a:p>
@@ -9195,7 +9195,7 @@
           <a:p>
             <a:fld id="{96FB5D56-0812-4ED5-8B52-3D0DCBF578CB}" type="datetimeFigureOut">
               <a:rPr lang="en-US" smtClean="0"/>
-              <a:t>2/4/2018</a:t>
+              <a:t>2/11/2018</a:t>
             </a:fld>
             <a:endParaRPr lang="en-US"/>
           </a:p>
@@ -9313,7 +9313,7 @@
           <a:p>
             <a:fld id="{96FB5D56-0812-4ED5-8B52-3D0DCBF578CB}" type="datetimeFigureOut">
               <a:rPr lang="en-US" smtClean="0"/>
-              <a:t>2/4/2018</a:t>
+              <a:t>2/11/2018</a:t>
             </a:fld>
             <a:endParaRPr lang="en-US"/>
           </a:p>
@@ -9408,7 +9408,7 @@
           <a:p>
             <a:fld id="{96FB5D56-0812-4ED5-8B52-3D0DCBF578CB}" type="datetimeFigureOut">
               <a:rPr lang="en-US" smtClean="0"/>
-              <a:t>2/4/2018</a:t>
+              <a:t>2/11/2018</a:t>
             </a:fld>
             <a:endParaRPr lang="en-US"/>
           </a:p>
@@ -9687,7 +9687,7 @@
           <a:p>
             <a:fld id="{96FB5D56-0812-4ED5-8B52-3D0DCBF578CB}" type="datetimeFigureOut">
               <a:rPr lang="en-US" smtClean="0"/>
-              <a:t>2/4/2018</a:t>
+              <a:t>2/11/2018</a:t>
             </a:fld>
             <a:endParaRPr lang="en-US"/>
           </a:p>
@@ -9962,7 +9962,7 @@
           <a:p>
             <a:fld id="{96FB5D56-0812-4ED5-8B52-3D0DCBF578CB}" type="datetimeFigureOut">
               <a:rPr lang="en-US" smtClean="0"/>
-              <a:t>2/4/2018</a:t>
+              <a:t>2/11/2018</a:t>
             </a:fld>
             <a:endParaRPr lang="en-US"/>
           </a:p>
@@ -10391,7 +10391,7 @@
           <a:p>
             <a:fld id="{96FB5D56-0812-4ED5-8B52-3D0DCBF578CB}" type="datetimeFigureOut">
               <a:rPr lang="en-US" smtClean="0"/>
-              <a:t>2/4/2018</a:t>
+              <a:t>2/11/2018</a:t>
             </a:fld>
             <a:endParaRPr lang="en-US"/>
           </a:p>
@@ -13028,7 +13028,7 @@
           <p:nvPr>
             <p:extLst>
               <p:ext uri="{D42A27DB-BD31-4B8C-83A1-F6EECF244321}">
-                <p14:modId xmlns:p14="http://schemas.microsoft.com/office/powerpoint/2010/main" val="801331847"/>
+                <p14:modId xmlns:p14="http://schemas.microsoft.com/office/powerpoint/2010/main" val="896941369"/>
               </p:ext>
             </p:extLst>
           </p:nvPr>
@@ -13057,7 +13057,7 @@
                       <a:pPr algn="ctr"/>
                       <a:r>
                         <a:rPr lang="en-US" dirty="0" smtClean="0"/>
-                        <a:t>Shape</a:t>
+                        <a:t>Vehicle</a:t>
                       </a:r>
                       <a:endParaRPr lang="en-US" dirty="0"/>
                     </a:p>
@@ -13072,7 +13072,7 @@
                       <a:pPr algn="ctr"/>
                       <a:r>
                         <a:rPr lang="en-US" dirty="0" smtClean="0"/>
-                        <a:t>Rectangle</a:t>
+                        <a:t>Car</a:t>
                       </a:r>
                       <a:endParaRPr lang="en-US" dirty="0"/>
                     </a:p>
@@ -13087,7 +13087,7 @@
                       <a:pPr algn="ctr"/>
                       <a:r>
                         <a:rPr lang="en-US" dirty="0" smtClean="0"/>
-                        <a:t>Circle</a:t>
+                        <a:t>Truck</a:t>
                       </a:r>
                       <a:endParaRPr lang="en-US" dirty="0"/>
                     </a:p>
@@ -13109,6 +13109,7 @@
                         <a:rPr lang="en-US" dirty="0" smtClean="0"/>
                         <a:t>draw()</a:t>
                       </a:r>
+                      <a:endParaRPr lang="en-US" dirty="0" smtClean="0"/>
                     </a:p>
                     <a:p>
                       <a:pPr marL="285750" indent="-285750">
@@ -13119,6 +13120,7 @@
                         <a:rPr lang="en-US" dirty="0" smtClean="0"/>
                         <a:t>area()</a:t>
                       </a:r>
+                      <a:endParaRPr lang="en-US" dirty="0" smtClean="0"/>
                     </a:p>
                   </a:txBody>
                   <a:tcPr/>
